--- a/20190729 Energizers_Project_1_Presentation.v2.pptx
+++ b/20190729 Energizers_Project_1_Presentation.v2.pptx
@@ -6457,7 +6457,7 @@
             </a:br>
             <a:r>
               <a:rPr lang="en-US" sz="3200" b="1" dirty="0"/>
-              <a:t>EXPOLORATION</a:t>
+              <a:t>EXPLORATION</a:t>
             </a:r>
             <a:br>
               <a:rPr lang="en-US" sz="3200" b="1" dirty="0"/>
@@ -6602,27 +6602,7 @@
                 <a:latin typeface="Arial" panose="020B0604020202020204" pitchFamily="34" charset="0"/>
                 <a:cs typeface="Arial" panose="020B0604020202020204" pitchFamily="34" charset="0"/>
               </a:rPr>
-              <a:t>Data types except for value were </a:t>
-            </a:r>
-            <a:r>
-              <a:rPr lang="en-US" sz="1800" dirty="0" err="1">
-                <a:solidFill>
-                  <a:schemeClr val="tx1"/>
-                </a:solidFill>
-                <a:latin typeface="Arial" panose="020B0604020202020204" pitchFamily="34" charset="0"/>
-                <a:cs typeface="Arial" panose="020B0604020202020204" pitchFamily="34" charset="0"/>
-              </a:rPr>
-              <a:t>object.Very</a:t>
-            </a:r>
-            <a:r>
-              <a:rPr lang="en-US" sz="1800" dirty="0">
-                <a:solidFill>
-                  <a:schemeClr val="tx1"/>
-                </a:solidFill>
-                <a:latin typeface="Arial" panose="020B0604020202020204" pitchFamily="34" charset="0"/>
-                <a:cs typeface="Arial" panose="020B0604020202020204" pitchFamily="34" charset="0"/>
-              </a:rPr>
-              <a:t> few NANs</a:t>
+              <a:t>Data types except for value were object. Very few NANs</a:t>
             </a:r>
           </a:p>
           <a:p>
@@ -6766,7 +6746,7 @@
             </a:br>
             <a:r>
               <a:rPr lang="en-US" sz="3200" b="1" dirty="0"/>
-              <a:t>EXPOLORATION</a:t>
+              <a:t>EXPLORATION</a:t>
             </a:r>
             <a:br>
               <a:rPr lang="en-US" sz="3200" b="1" dirty="0"/>
@@ -6954,7 +6934,7 @@
             </a:br>
             <a:r>
               <a:rPr lang="en-US" sz="3200" b="1" dirty="0"/>
-              <a:t>EXPOLORATION</a:t>
+              <a:t>EXPLORATION</a:t>
             </a:r>
             <a:br>
               <a:rPr lang="en-US" sz="3200" b="1" dirty="0"/>

--- a/20190729 Energizers_Project_1_Presentation.v2.pptx
+++ b/20190729 Energizers_Project_1_Presentation.v2.pptx
@@ -367,7 +367,7 @@
             <a:fld id="{5586B75A-687E-405C-8A0B-8D00578BA2C3}" type="datetimeFigureOut">
               <a:rPr lang="en-US" dirty="0"/>
               <a:pPr/>
-              <a:t>7/28/2019</a:t>
+              <a:t>7/29/2019</a:t>
             </a:fld>
             <a:endParaRPr lang="en-US" dirty="0"/>
           </a:p>
@@ -534,7 +534,7 @@
             <a:fld id="{5586B75A-687E-405C-8A0B-8D00578BA2C3}" type="datetimeFigureOut">
               <a:rPr lang="en-US" dirty="0"/>
               <a:pPr/>
-              <a:t>7/28/2019</a:t>
+              <a:t>7/29/2019</a:t>
             </a:fld>
             <a:endParaRPr lang="en-US" dirty="0"/>
           </a:p>
@@ -711,7 +711,7 @@
             <a:fld id="{5586B75A-687E-405C-8A0B-8D00578BA2C3}" type="datetimeFigureOut">
               <a:rPr lang="en-US" dirty="0"/>
               <a:pPr/>
-              <a:t>7/28/2019</a:t>
+              <a:t>7/29/2019</a:t>
             </a:fld>
             <a:endParaRPr lang="en-US" dirty="0"/>
           </a:p>
@@ -878,7 +878,7 @@
             <a:fld id="{5586B75A-687E-405C-8A0B-8D00578BA2C3}" type="datetimeFigureOut">
               <a:rPr lang="en-US" dirty="0"/>
               <a:pPr/>
-              <a:t>7/28/2019</a:t>
+              <a:t>7/29/2019</a:t>
             </a:fld>
             <a:endParaRPr lang="en-US" dirty="0"/>
           </a:p>
@@ -1133,7 +1133,7 @@
             <a:fld id="{5586B75A-687E-405C-8A0B-8D00578BA2C3}" type="datetimeFigureOut">
               <a:rPr lang="en-US" dirty="0"/>
               <a:pPr/>
-              <a:t>7/28/2019</a:t>
+              <a:t>7/29/2019</a:t>
             </a:fld>
             <a:endParaRPr lang="en-US" dirty="0"/>
           </a:p>
@@ -1418,7 +1418,7 @@
             <a:fld id="{5586B75A-687E-405C-8A0B-8D00578BA2C3}" type="datetimeFigureOut">
               <a:rPr lang="en-US" dirty="0"/>
               <a:pPr/>
-              <a:t>7/28/2019</a:t>
+              <a:t>7/29/2019</a:t>
             </a:fld>
             <a:endParaRPr lang="en-US" dirty="0"/>
           </a:p>
@@ -1857,7 +1857,7 @@
             <a:fld id="{5586B75A-687E-405C-8A0B-8D00578BA2C3}" type="datetimeFigureOut">
               <a:rPr lang="en-US" dirty="0"/>
               <a:pPr/>
-              <a:t>7/28/2019</a:t>
+              <a:t>7/29/2019</a:t>
             </a:fld>
             <a:endParaRPr lang="en-US" dirty="0"/>
           </a:p>
@@ -1972,7 +1972,7 @@
             <a:fld id="{5586B75A-687E-405C-8A0B-8D00578BA2C3}" type="datetimeFigureOut">
               <a:rPr lang="en-US" dirty="0"/>
               <a:pPr/>
-              <a:t>7/28/2019</a:t>
+              <a:t>7/29/2019</a:t>
             </a:fld>
             <a:endParaRPr lang="en-US" dirty="0"/>
           </a:p>
@@ -2064,7 +2064,7 @@
             <a:fld id="{5586B75A-687E-405C-8A0B-8D00578BA2C3}" type="datetimeFigureOut">
               <a:rPr lang="en-US" dirty="0"/>
               <a:pPr/>
-              <a:t>7/28/2019</a:t>
+              <a:t>7/29/2019</a:t>
             </a:fld>
             <a:endParaRPr lang="en-US" dirty="0"/>
           </a:p>
@@ -2349,7 +2349,7 @@
             <a:fld id="{5586B75A-687E-405C-8A0B-8D00578BA2C3}" type="datetimeFigureOut">
               <a:rPr lang="en-US" dirty="0"/>
               <a:pPr/>
-              <a:t>7/28/2019</a:t>
+              <a:t>7/29/2019</a:t>
             </a:fld>
             <a:endParaRPr lang="en-US" dirty="0"/>
           </a:p>
@@ -2619,7 +2619,7 @@
             <a:fld id="{5586B75A-687E-405C-8A0B-8D00578BA2C3}" type="datetimeFigureOut">
               <a:rPr lang="en-US" dirty="0"/>
               <a:pPr/>
-              <a:t>7/28/2019</a:t>
+              <a:t>7/29/2019</a:t>
             </a:fld>
             <a:endParaRPr lang="en-US" dirty="0"/>
           </a:p>
@@ -2913,7 +2913,7 @@
             <a:fld id="{5586B75A-687E-405C-8A0B-8D00578BA2C3}" type="datetimeFigureOut">
               <a:rPr lang="en-US" dirty="0"/>
               <a:pPr/>
-              <a:t>7/28/2019</a:t>
+              <a:t>7/29/2019</a:t>
             </a:fld>
             <a:endParaRPr lang="en-US" dirty="0"/>
           </a:p>
@@ -4026,41 +4026,31 @@
       </p:sp>
       <p:pic>
         <p:nvPicPr>
-          <p:cNvPr id="7" name="Content Placeholder 6" descr="CO2EmissionBySectorTL">
+          <p:cNvPr id="6" name="Content Placeholder 5">
             <a:extLst>
               <a:ext uri="{FF2B5EF4-FFF2-40B4-BE49-F238E27FC236}">
-                <a16:creationId xmlns:a16="http://schemas.microsoft.com/office/drawing/2014/main" id="{713551F1-DCDE-434F-B374-E5DBD14619F9}"/>
+                <a16:creationId xmlns:a16="http://schemas.microsoft.com/office/drawing/2014/main" id="{D34A8923-D02F-4353-8C41-28976B3B4915}"/>
               </a:ext>
             </a:extLst>
           </p:cNvPr>
           <p:cNvPicPr>
             <a:picLocks noGrp="1" noChangeAspect="1"/>
           </p:cNvPicPr>
-          <p:nvPr isPhoto="1">
+          <p:nvPr>
             <p:ph idx="1"/>
           </p:nvPr>
         </p:nvPicPr>
         <p:blipFill>
-          <a:blip r:embed="rId2">
-            <a:lum/>
-            <a:extLst>
-              <a:ext uri="{28A0092B-C50C-407E-A947-70E740481C1C}">
-                <a14:useLocalDpi xmlns:a14="http://schemas.microsoft.com/office/drawing/2010/main" val="0"/>
-              </a:ext>
-            </a:extLst>
-          </a:blip>
+          <a:blip r:embed="rId2"/>
           <a:stretch>
             <a:fillRect/>
           </a:stretch>
         </p:blipFill>
         <p:spPr>
           <a:xfrm>
-            <a:off x="3566895" y="1229488"/>
-            <a:ext cx="8056285" cy="4833770"/>
+            <a:off x="3868738" y="1229678"/>
+            <a:ext cx="7315200" cy="4389119"/>
           </a:xfrm>
-          <a:prstGeom prst="rect">
-            <a:avLst/>
-          </a:prstGeom>
         </p:spPr>
       </p:pic>
     </p:spTree>
@@ -4188,41 +4178,31 @@
       </p:sp>
       <p:pic>
         <p:nvPicPr>
-          <p:cNvPr id="4" name="Content Placeholder 3" descr="CO2EmissionSourcesVsSectors">
+          <p:cNvPr id="7" name="Content Placeholder 6">
             <a:extLst>
               <a:ext uri="{FF2B5EF4-FFF2-40B4-BE49-F238E27FC236}">
-                <a16:creationId xmlns:a16="http://schemas.microsoft.com/office/drawing/2014/main" id="{58E42144-D23D-4CE5-BD9F-831F7E2C43B4}"/>
+                <a16:creationId xmlns:a16="http://schemas.microsoft.com/office/drawing/2014/main" id="{CFFBFC83-BA92-4594-890D-538F6E5B8B71}"/>
               </a:ext>
             </a:extLst>
           </p:cNvPr>
           <p:cNvPicPr>
             <a:picLocks noGrp="1" noChangeAspect="1"/>
           </p:cNvPicPr>
-          <p:nvPr isPhoto="1">
+          <p:nvPr>
             <p:ph idx="1"/>
           </p:nvPr>
         </p:nvPicPr>
         <p:blipFill>
-          <a:blip r:embed="rId2">
-            <a:lum/>
-            <a:extLst>
-              <a:ext uri="{28A0092B-C50C-407E-A947-70E740481C1C}">
-                <a14:useLocalDpi xmlns:a14="http://schemas.microsoft.com/office/drawing/2010/main" val="0"/>
-              </a:ext>
-            </a:extLst>
-          </a:blip>
+          <a:blip r:embed="rId2"/>
           <a:stretch>
             <a:fillRect/>
           </a:stretch>
         </p:blipFill>
         <p:spPr>
           <a:xfrm>
-            <a:off x="3593529" y="1123837"/>
-            <a:ext cx="7885298" cy="4731178"/>
+            <a:off x="3868738" y="1229678"/>
+            <a:ext cx="7315200" cy="4389119"/>
           </a:xfrm>
-          <a:prstGeom prst="rect">
-            <a:avLst/>
-          </a:prstGeom>
         </p:spPr>
       </p:pic>
     </p:spTree>

--- a/20190729 Energizers_Project_1_Presentation.v2.pptx
+++ b/20190729 Energizers_Project_1_Presentation.v2.pptx
@@ -4026,10 +4026,10 @@
       </p:sp>
       <p:pic>
         <p:nvPicPr>
-          <p:cNvPr id="6" name="Content Placeholder 5">
+          <p:cNvPr id="7" name="Content Placeholder 6">
             <a:extLst>
               <a:ext uri="{FF2B5EF4-FFF2-40B4-BE49-F238E27FC236}">
-                <a16:creationId xmlns:a16="http://schemas.microsoft.com/office/drawing/2014/main" id="{D34A8923-D02F-4353-8C41-28976B3B4915}"/>
+                <a16:creationId xmlns:a16="http://schemas.microsoft.com/office/drawing/2014/main" id="{CFCF75FA-521A-4945-A02C-12DB78F82CAF}"/>
               </a:ext>
             </a:extLst>
           </p:cNvPr>

--- a/20190729 Energizers_Project_1_Presentation.v2.pptx
+++ b/20190729 Energizers_Project_1_Presentation.v2.pptx
@@ -6531,7 +6531,7 @@
                 <a:latin typeface="Arial" panose="020B0604020202020204" pitchFamily="34" charset="0"/>
                 <a:cs typeface="Arial" panose="020B0604020202020204" pitchFamily="34" charset="0"/>
               </a:rPr>
-              <a:t>Not clear if Electric Power share for sectors was taken out on data. (Double dip)</a:t>
+              <a:t>Not clear if Electric Power share for sectors was taken out on data (Double dip)</a:t>
             </a:r>
           </a:p>
           <a:p>
@@ -7069,10 +7069,9 @@
                         <a:defRPr/>
                       </a:pPr>
                       <a:r>
-                        <a:rPr lang="en-US" dirty="0" err="1"/>
+                        <a:rPr lang="en-US" dirty="0"/>
                         <a:t>pvalue</a:t>
                       </a:r>
-                      <a:endParaRPr lang="en-US" dirty="0"/>
                     </a:p>
                   </a:txBody>
                   <a:tcPr>

--- a/20190729 Energizers_Project_1_Presentation.v2.pptx
+++ b/20190729 Energizers_Project_1_Presentation.v2.pptx
@@ -4559,7 +4559,27 @@
                 <a:latin typeface="Arial" panose="020B0604020202020204" pitchFamily="34" charset="0"/>
                 <a:cs typeface="Arial" panose="020B0604020202020204" pitchFamily="34" charset="0"/>
               </a:rPr>
-              <a:t>As total energy consumption increases, does CO2 emissions increase?</a:t>
+              <a:t>As total energy consumption increases, does CO</a:t>
+            </a:r>
+            <a:r>
+              <a:rPr lang="en-US" b="1" baseline="-25000" dirty="0">
+                <a:solidFill>
+                  <a:schemeClr val="bg1"/>
+                </a:solidFill>
+                <a:latin typeface="Arial" panose="020B0604020202020204" pitchFamily="34" charset="0"/>
+                <a:cs typeface="Arial" panose="020B0604020202020204" pitchFamily="34" charset="0"/>
+              </a:rPr>
+              <a:t>2</a:t>
+            </a:r>
+            <a:r>
+              <a:rPr lang="en-US" b="1" dirty="0">
+                <a:solidFill>
+                  <a:schemeClr val="bg1"/>
+                </a:solidFill>
+                <a:latin typeface="Arial" panose="020B0604020202020204" pitchFamily="34" charset="0"/>
+                <a:cs typeface="Arial" panose="020B0604020202020204" pitchFamily="34" charset="0"/>
+              </a:rPr>
+              <a:t> emissions increase?</a:t>
             </a:r>
             <a:br>
               <a:rPr lang="en-US" b="1" dirty="0">
@@ -4740,7 +4760,17 @@
                 <a:latin typeface="Arial" panose="020B0604020202020204" pitchFamily="34" charset="0"/>
                 <a:cs typeface="Arial" panose="020B0604020202020204" pitchFamily="34" charset="0"/>
               </a:rPr>
-              <a:t>As hypothesized, Transportation and Industrial sectors are largest energy consumers and producers of CO2</a:t>
+              <a:t>As hypothesized, Transportation and Industrial sectors are largest energy consumers and producers of CO</a:t>
+            </a:r>
+            <a:r>
+              <a:rPr lang="en-US" sz="2400" baseline="-25000" dirty="0">
+                <a:solidFill>
+                  <a:schemeClr val="tx1"/>
+                </a:solidFill>
+                <a:latin typeface="Arial" panose="020B0604020202020204" pitchFamily="34" charset="0"/>
+                <a:cs typeface="Arial" panose="020B0604020202020204" pitchFamily="34" charset="0"/>
+              </a:rPr>
+              <a:t>2</a:t>
             </a:r>
           </a:p>
           <a:p>
@@ -4755,7 +4785,27 @@
                 <a:latin typeface="Arial" panose="020B0604020202020204" pitchFamily="34" charset="0"/>
                 <a:cs typeface="Arial" panose="020B0604020202020204" pitchFamily="34" charset="0"/>
               </a:rPr>
-              <a:t>As energy consumption increases, CO2 emissions grow as well</a:t>
+              <a:t>As energy consumption increases, CO</a:t>
+            </a:r>
+            <a:r>
+              <a:rPr lang="en-US" sz="2400" baseline="-25000" dirty="0">
+                <a:solidFill>
+                  <a:schemeClr val="tx1"/>
+                </a:solidFill>
+                <a:latin typeface="Arial" panose="020B0604020202020204" pitchFamily="34" charset="0"/>
+                <a:cs typeface="Arial" panose="020B0604020202020204" pitchFamily="34" charset="0"/>
+              </a:rPr>
+              <a:t>2</a:t>
+            </a:r>
+            <a:r>
+              <a:rPr lang="en-US" sz="2400" dirty="0">
+                <a:solidFill>
+                  <a:schemeClr val="tx1"/>
+                </a:solidFill>
+                <a:latin typeface="Arial" panose="020B0604020202020204" pitchFamily="34" charset="0"/>
+                <a:cs typeface="Arial" panose="020B0604020202020204" pitchFamily="34" charset="0"/>
+              </a:rPr>
+              <a:t> emissions grow as well</a:t>
             </a:r>
           </a:p>
           <a:p>
@@ -4871,7 +4921,7 @@
         <p:spPr/>
         <p:txBody>
           <a:bodyPr>
-            <a:normAutofit/>
+            <a:normAutofit lnSpcReduction="10000"/>
           </a:bodyPr>
           <a:lstStyle/>
           <a:p>
@@ -4884,6 +4934,8 @@
                 <a:solidFill>
                   <a:schemeClr val="tx1"/>
                 </a:solidFill>
+                <a:latin typeface="Arial" panose="020B0604020202020204" pitchFamily="34" charset="0"/>
+                <a:cs typeface="Arial" panose="020B0604020202020204" pitchFamily="34" charset="0"/>
               </a:rPr>
               <a:t>POST MORTEM</a:t>
             </a:r>
@@ -4897,6 +4949,8 @@
                 <a:solidFill>
                   <a:schemeClr val="tx1"/>
                 </a:solidFill>
+                <a:latin typeface="Arial" panose="020B0604020202020204" pitchFamily="34" charset="0"/>
+                <a:cs typeface="Arial" panose="020B0604020202020204" pitchFamily="34" charset="0"/>
               </a:rPr>
               <a:t>Challenges</a:t>
             </a:r>
@@ -4910,6 +4964,8 @@
                 <a:solidFill>
                   <a:schemeClr val="tx1"/>
                 </a:solidFill>
+                <a:latin typeface="Arial" panose="020B0604020202020204" pitchFamily="34" charset="0"/>
+                <a:cs typeface="Arial" panose="020B0604020202020204" pitchFamily="34" charset="0"/>
               </a:rPr>
               <a:t>EIA has several different views of emission and consumption data</a:t>
             </a:r>
@@ -4923,6 +4979,8 @@
                 <a:solidFill>
                   <a:schemeClr val="tx1"/>
                 </a:solidFill>
+                <a:latin typeface="Arial" panose="020B0604020202020204" pitchFamily="34" charset="0"/>
+                <a:cs typeface="Arial" panose="020B0604020202020204" pitchFamily="34" charset="0"/>
               </a:rPr>
               <a:t>Agreed on what to focus on</a:t>
             </a:r>
@@ -4936,8 +4994,30 @@
                 <a:solidFill>
                   <a:schemeClr val="tx1"/>
                 </a:solidFill>
-              </a:rPr>
-              <a:t>For CO2 Emissions, sector specific product sources (Jet Fuel in Transportation)</a:t>
+                <a:latin typeface="Arial" panose="020B0604020202020204" pitchFamily="34" charset="0"/>
+                <a:cs typeface="Arial" panose="020B0604020202020204" pitchFamily="34" charset="0"/>
+              </a:rPr>
+              <a:t>For CO</a:t>
+            </a:r>
+            <a:r>
+              <a:rPr lang="en-US" baseline="-25000" dirty="0">
+                <a:solidFill>
+                  <a:schemeClr val="tx1"/>
+                </a:solidFill>
+                <a:latin typeface="Arial" panose="020B0604020202020204" pitchFamily="34" charset="0"/>
+                <a:cs typeface="Arial" panose="020B0604020202020204" pitchFamily="34" charset="0"/>
+              </a:rPr>
+              <a:t>2</a:t>
+            </a:r>
+            <a:r>
+              <a:rPr lang="en-US" dirty="0">
+                <a:solidFill>
+                  <a:schemeClr val="tx1"/>
+                </a:solidFill>
+                <a:latin typeface="Arial" panose="020B0604020202020204" pitchFamily="34" charset="0"/>
+                <a:cs typeface="Arial" panose="020B0604020202020204" pitchFamily="34" charset="0"/>
+              </a:rPr>
+              <a:t> Emissions, sector specific product sources (Jet Fuel in Transportation)</a:t>
             </a:r>
           </a:p>
           <a:p>
@@ -4949,6 +5029,8 @@
                 <a:solidFill>
                   <a:schemeClr val="tx1"/>
                 </a:solidFill>
+                <a:latin typeface="Arial" panose="020B0604020202020204" pitchFamily="34" charset="0"/>
+                <a:cs typeface="Arial" panose="020B0604020202020204" pitchFamily="34" charset="0"/>
               </a:rPr>
               <a:t>Not a clear way to compare across sectors</a:t>
             </a:r>
@@ -4962,6 +5044,8 @@
                 <a:solidFill>
                   <a:schemeClr val="tx1"/>
                 </a:solidFill>
+                <a:latin typeface="Arial" panose="020B0604020202020204" pitchFamily="34" charset="0"/>
+                <a:cs typeface="Arial" panose="020B0604020202020204" pitchFamily="34" charset="0"/>
               </a:rPr>
               <a:t>Grouped into “Sector Specific”</a:t>
             </a:r>
@@ -4975,6 +5059,8 @@
                 <a:solidFill>
                   <a:schemeClr val="tx1"/>
                 </a:solidFill>
+                <a:latin typeface="Arial" panose="020B0604020202020204" pitchFamily="34" charset="0"/>
+                <a:cs typeface="Arial" panose="020B0604020202020204" pitchFamily="34" charset="0"/>
               </a:rPr>
               <a:t>Additional questions | research</a:t>
             </a:r>
@@ -4988,6 +5074,8 @@
                 <a:solidFill>
                   <a:schemeClr val="tx1"/>
                 </a:solidFill>
+                <a:latin typeface="Arial" panose="020B0604020202020204" pitchFamily="34" charset="0"/>
+                <a:cs typeface="Arial" panose="020B0604020202020204" pitchFamily="34" charset="0"/>
               </a:rPr>
               <a:t>What is the correlation, if any, between energy consumption and emissions between sectors?</a:t>
             </a:r>
@@ -5001,6 +5089,8 @@
                 <a:solidFill>
                   <a:schemeClr val="tx1"/>
                 </a:solidFill>
+                <a:latin typeface="Arial" panose="020B0604020202020204" pitchFamily="34" charset="0"/>
+                <a:cs typeface="Arial" panose="020B0604020202020204" pitchFamily="34" charset="0"/>
               </a:rPr>
               <a:t>What are the drivers for energy consumption increase?</a:t>
             </a:r>
@@ -5014,6 +5104,8 @@
                 <a:solidFill>
                   <a:schemeClr val="tx1"/>
                 </a:solidFill>
+                <a:latin typeface="Arial" panose="020B0604020202020204" pitchFamily="34" charset="0"/>
+                <a:cs typeface="Arial" panose="020B0604020202020204" pitchFamily="34" charset="0"/>
               </a:rPr>
               <a:t>What caused a decrease in consumption in 2012?</a:t>
             </a:r>
@@ -5917,7 +6009,27 @@
                 <a:latin typeface="Arial" panose="020B0604020202020204" pitchFamily="34" charset="0"/>
                 <a:cs typeface="Arial" panose="020B0604020202020204" pitchFamily="34" charset="0"/>
               </a:rPr>
-              <a:t>As total energy consumption increases, does CO2 emissions increase?</a:t>
+              <a:t>As total energy consumption increases, does CO</a:t>
+            </a:r>
+            <a:r>
+              <a:rPr lang="en-US" baseline="-25000" dirty="0">
+                <a:solidFill>
+                  <a:schemeClr val="tx1"/>
+                </a:solidFill>
+                <a:latin typeface="Arial" panose="020B0604020202020204" pitchFamily="34" charset="0"/>
+                <a:cs typeface="Arial" panose="020B0604020202020204" pitchFamily="34" charset="0"/>
+              </a:rPr>
+              <a:t>2</a:t>
+            </a:r>
+            <a:r>
+              <a:rPr lang="en-US" dirty="0">
+                <a:solidFill>
+                  <a:schemeClr val="tx1"/>
+                </a:solidFill>
+                <a:latin typeface="Arial" panose="020B0604020202020204" pitchFamily="34" charset="0"/>
+                <a:cs typeface="Arial" panose="020B0604020202020204" pitchFamily="34" charset="0"/>
+              </a:rPr>
+              <a:t> emissions increase?</a:t>
             </a:r>
           </a:p>
           <a:p>
@@ -6548,7 +6660,27 @@
                 <a:latin typeface="Arial" panose="020B0604020202020204" pitchFamily="34" charset="0"/>
                 <a:cs typeface="Arial" panose="020B0604020202020204" pitchFamily="34" charset="0"/>
               </a:rPr>
-              <a:t>Missing 2 years of information for CO2 state data</a:t>
+              <a:t>Missing 2 years of information for CO</a:t>
+            </a:r>
+            <a:r>
+              <a:rPr lang="en-US" sz="1800" baseline="-25000" dirty="0">
+                <a:solidFill>
+                  <a:schemeClr val="tx1"/>
+                </a:solidFill>
+                <a:latin typeface="Arial" panose="020B0604020202020204" pitchFamily="34" charset="0"/>
+                <a:cs typeface="Arial" panose="020B0604020202020204" pitchFamily="34" charset="0"/>
+              </a:rPr>
+              <a:t>2</a:t>
+            </a:r>
+            <a:r>
+              <a:rPr lang="en-US" sz="1800" dirty="0">
+                <a:solidFill>
+                  <a:schemeClr val="tx1"/>
+                </a:solidFill>
+                <a:latin typeface="Arial" panose="020B0604020202020204" pitchFamily="34" charset="0"/>
+                <a:cs typeface="Arial" panose="020B0604020202020204" pitchFamily="34" charset="0"/>
+              </a:rPr>
+              <a:t> state data</a:t>
             </a:r>
           </a:p>
           <a:p>
@@ -6624,7 +6756,17 @@
                 <a:latin typeface="Arial" panose="020B0604020202020204" pitchFamily="34" charset="0"/>
                 <a:cs typeface="Arial" panose="020B0604020202020204" pitchFamily="34" charset="0"/>
               </a:rPr>
-              <a:t>3 states produce the majority of CO2</a:t>
+              <a:t>3 states produce the majority of CO</a:t>
+            </a:r>
+            <a:r>
+              <a:rPr lang="en-US" sz="1800" baseline="-25000" dirty="0">
+                <a:solidFill>
+                  <a:schemeClr val="tx1"/>
+                </a:solidFill>
+                <a:latin typeface="Arial" panose="020B0604020202020204" pitchFamily="34" charset="0"/>
+                <a:cs typeface="Arial" panose="020B0604020202020204" pitchFamily="34" charset="0"/>
+              </a:rPr>
+              <a:t>2</a:t>
             </a:r>
           </a:p>
           <a:p>
@@ -6654,7 +6796,27 @@
                 <a:latin typeface="Arial" panose="020B0604020202020204" pitchFamily="34" charset="0"/>
                 <a:cs typeface="Arial" panose="020B0604020202020204" pitchFamily="34" charset="0"/>
               </a:rPr>
-              <a:t>Transportation produces more CO2 than all sector combined</a:t>
+              <a:t>Transportation produces more CO</a:t>
+            </a:r>
+            <a:r>
+              <a:rPr lang="en-US" sz="1800" baseline="-25000" dirty="0">
+                <a:solidFill>
+                  <a:schemeClr val="tx1"/>
+                </a:solidFill>
+                <a:latin typeface="Arial" panose="020B0604020202020204" pitchFamily="34" charset="0"/>
+                <a:cs typeface="Arial" panose="020B0604020202020204" pitchFamily="34" charset="0"/>
+              </a:rPr>
+              <a:t>2</a:t>
+            </a:r>
+            <a:r>
+              <a:rPr lang="en-US" sz="1800" dirty="0">
+                <a:solidFill>
+                  <a:schemeClr val="tx1"/>
+                </a:solidFill>
+                <a:latin typeface="Arial" panose="020B0604020202020204" pitchFamily="34" charset="0"/>
+                <a:cs typeface="Arial" panose="020B0604020202020204" pitchFamily="34" charset="0"/>
+              </a:rPr>
+              <a:t> than all sector combined</a:t>
             </a:r>
           </a:p>
         </p:txBody>

--- a/20190729 Energizers_Project_1_Presentation.v2.pptx
+++ b/20190729 Energizers_Project_1_Presentation.v2.pptx
@@ -18,8 +18,8 @@
     <p:sldId id="273" r:id="rId12"/>
     <p:sldId id="275" r:id="rId13"/>
     <p:sldId id="268" r:id="rId14"/>
-    <p:sldId id="274" r:id="rId15"/>
-    <p:sldId id="257" r:id="rId16"/>
+    <p:sldId id="257" r:id="rId15"/>
+    <p:sldId id="274" r:id="rId16"/>
     <p:sldId id="258" r:id="rId17"/>
     <p:sldId id="270" r:id="rId18"/>
     <p:sldId id="279" r:id="rId19"/>
@@ -4295,132 +4295,6 @@
       </p:sp>
       <p:pic>
         <p:nvPicPr>
-          <p:cNvPr id="7" name="Content Placeholder 6" descr="EmissionsbyStateandSector">
-            <a:extLst>
-              <a:ext uri="{FF2B5EF4-FFF2-40B4-BE49-F238E27FC236}">
-                <a16:creationId xmlns:a16="http://schemas.microsoft.com/office/drawing/2014/main" id="{A7839CF4-D983-4F51-8B48-A28C939CB86E}"/>
-              </a:ext>
-            </a:extLst>
-          </p:cNvPr>
-          <p:cNvPicPr>
-            <a:picLocks noGrp="1" noChangeAspect="1"/>
-          </p:cNvPicPr>
-          <p:nvPr isPhoto="1">
-            <p:ph idx="1"/>
-          </p:nvPr>
-        </p:nvPicPr>
-        <p:blipFill rotWithShape="1">
-          <a:blip r:embed="rId2">
-            <a:lum/>
-            <a:extLst>
-              <a:ext uri="{28A0092B-C50C-407E-A947-70E740481C1C}">
-                <a14:useLocalDpi xmlns:a14="http://schemas.microsoft.com/office/drawing/2010/main" val="0"/>
-              </a:ext>
-            </a:extLst>
-          </a:blip>
-          <a:srcRect t="8528" b="5121"/>
-          <a:stretch/>
-        </p:blipFill>
-        <p:spPr>
-          <a:xfrm>
-            <a:off x="3561638" y="188517"/>
-            <a:ext cx="6976155" cy="6693282"/>
-          </a:xfrm>
-          <a:prstGeom prst="rect">
-            <a:avLst/>
-          </a:prstGeom>
-        </p:spPr>
-      </p:pic>
-    </p:spTree>
-    <p:extLst>
-      <p:ext uri="{BB962C8B-B14F-4D97-AF65-F5344CB8AC3E}">
-        <p14:creationId xmlns:p14="http://schemas.microsoft.com/office/powerpoint/2010/main" val="3465872485"/>
-      </p:ext>
-    </p:extLst>
-  </p:cSld>
-  <p:clrMapOvr>
-    <a:masterClrMapping/>
-  </p:clrMapOvr>
-</p:sld>
-</file>
-
-<file path=ppt/slides/slide15.xml><?xml version="1.0" encoding="utf-8"?>
-<p:sld xmlns:a="http://schemas.openxmlformats.org/drawingml/2006/main" xmlns:r="http://schemas.openxmlformats.org/officeDocument/2006/relationships" xmlns:p="http://schemas.openxmlformats.org/presentationml/2006/main">
-  <p:cSld>
-    <p:spTree>
-      <p:nvGrpSpPr>
-        <p:cNvPr id="1" name=""/>
-        <p:cNvGrpSpPr/>
-        <p:nvPr/>
-      </p:nvGrpSpPr>
-      <p:grpSpPr>
-        <a:xfrm>
-          <a:off x="0" y="0"/>
-          <a:ext cx="0" cy="0"/>
-          <a:chOff x="0" y="0"/>
-          <a:chExt cx="0" cy="0"/>
-        </a:xfrm>
-      </p:grpSpPr>
-      <p:sp>
-        <p:nvSpPr>
-          <p:cNvPr id="2" name="Title 1">
-            <a:extLst>
-              <a:ext uri="{FF2B5EF4-FFF2-40B4-BE49-F238E27FC236}">
-                <a16:creationId xmlns:a16="http://schemas.microsoft.com/office/drawing/2014/main" id="{D13EDDD3-05FB-4656-BBC1-B7327218385A}"/>
-              </a:ext>
-            </a:extLst>
-          </p:cNvPr>
-          <p:cNvSpPr>
-            <a:spLocks noGrp="1"/>
-          </p:cNvSpPr>
-          <p:nvPr>
-            <p:ph type="title"/>
-          </p:nvPr>
-        </p:nvSpPr>
-        <p:spPr/>
-        <p:txBody>
-          <a:bodyPr>
-            <a:normAutofit/>
-          </a:bodyPr>
-          <a:lstStyle/>
-          <a:p>
-            <a:pPr>
-              <a:buClrTx/>
-            </a:pPr>
-            <a:r>
-              <a:rPr lang="en-US" b="1" dirty="0">
-                <a:solidFill>
-                  <a:schemeClr val="bg1"/>
-                </a:solidFill>
-                <a:latin typeface="Arial" panose="020B0604020202020204" pitchFamily="34" charset="0"/>
-                <a:cs typeface="Arial" panose="020B0604020202020204" pitchFamily="34" charset="0"/>
-              </a:rPr>
-              <a:t>Which state produced the most emissions?</a:t>
-            </a:r>
-            <a:br>
-              <a:rPr lang="en-US" b="1" dirty="0">
-                <a:solidFill>
-                  <a:schemeClr val="bg1"/>
-                </a:solidFill>
-                <a:latin typeface="Arial" panose="020B0604020202020204" pitchFamily="34" charset="0"/>
-                <a:cs typeface="Arial" panose="020B0604020202020204" pitchFamily="34" charset="0"/>
-              </a:rPr>
-            </a:br>
-            <a:r>
-              <a:rPr lang="en-US" dirty="0">
-                <a:solidFill>
-                  <a:schemeClr val="tx1"/>
-                </a:solidFill>
-                <a:latin typeface="Arial" panose="020B0604020202020204" pitchFamily="34" charset="0"/>
-                <a:cs typeface="Arial" panose="020B0604020202020204" pitchFamily="34" charset="0"/>
-              </a:rPr>
-              <a:t>Texas</a:t>
-            </a:r>
-          </a:p>
-        </p:txBody>
-      </p:sp>
-      <p:pic>
-        <p:nvPicPr>
           <p:cNvPr id="6" name="Content Placeholder 5" descr="statesheatmap">
             <a:extLst>
               <a:ext uri="{FF2B5EF4-FFF2-40B4-BE49-F238E27FC236}">
@@ -4506,6 +4380,132 @@
 </p:sld>
 </file>
 
+<file path=ppt/slides/slide15.xml><?xml version="1.0" encoding="utf-8"?>
+<p:sld xmlns:a="http://schemas.openxmlformats.org/drawingml/2006/main" xmlns:r="http://schemas.openxmlformats.org/officeDocument/2006/relationships" xmlns:p="http://schemas.openxmlformats.org/presentationml/2006/main">
+  <p:cSld>
+    <p:spTree>
+      <p:nvGrpSpPr>
+        <p:cNvPr id="1" name=""/>
+        <p:cNvGrpSpPr/>
+        <p:nvPr/>
+      </p:nvGrpSpPr>
+      <p:grpSpPr>
+        <a:xfrm>
+          <a:off x="0" y="0"/>
+          <a:ext cx="0" cy="0"/>
+          <a:chOff x="0" y="0"/>
+          <a:chExt cx="0" cy="0"/>
+        </a:xfrm>
+      </p:grpSpPr>
+      <p:sp>
+        <p:nvSpPr>
+          <p:cNvPr id="2" name="Title 1">
+            <a:extLst>
+              <a:ext uri="{FF2B5EF4-FFF2-40B4-BE49-F238E27FC236}">
+                <a16:creationId xmlns:a16="http://schemas.microsoft.com/office/drawing/2014/main" id="{D13EDDD3-05FB-4656-BBC1-B7327218385A}"/>
+              </a:ext>
+            </a:extLst>
+          </p:cNvPr>
+          <p:cNvSpPr>
+            <a:spLocks noGrp="1"/>
+          </p:cNvSpPr>
+          <p:nvPr>
+            <p:ph type="title"/>
+          </p:nvPr>
+        </p:nvSpPr>
+        <p:spPr/>
+        <p:txBody>
+          <a:bodyPr>
+            <a:normAutofit/>
+          </a:bodyPr>
+          <a:lstStyle/>
+          <a:p>
+            <a:pPr>
+              <a:buClrTx/>
+            </a:pPr>
+            <a:r>
+              <a:rPr lang="en-US" b="1" dirty="0">
+                <a:solidFill>
+                  <a:schemeClr val="bg1"/>
+                </a:solidFill>
+                <a:latin typeface="Arial" panose="020B0604020202020204" pitchFamily="34" charset="0"/>
+                <a:cs typeface="Arial" panose="020B0604020202020204" pitchFamily="34" charset="0"/>
+              </a:rPr>
+              <a:t>Which state produced the most emissions?</a:t>
+            </a:r>
+            <a:br>
+              <a:rPr lang="en-US" b="1" dirty="0">
+                <a:solidFill>
+                  <a:schemeClr val="bg1"/>
+                </a:solidFill>
+                <a:latin typeface="Arial" panose="020B0604020202020204" pitchFamily="34" charset="0"/>
+                <a:cs typeface="Arial" panose="020B0604020202020204" pitchFamily="34" charset="0"/>
+              </a:rPr>
+            </a:br>
+            <a:r>
+              <a:rPr lang="en-US" dirty="0">
+                <a:solidFill>
+                  <a:schemeClr val="tx1"/>
+                </a:solidFill>
+                <a:latin typeface="Arial" panose="020B0604020202020204" pitchFamily="34" charset="0"/>
+                <a:cs typeface="Arial" panose="020B0604020202020204" pitchFamily="34" charset="0"/>
+              </a:rPr>
+              <a:t>Texas</a:t>
+            </a:r>
+          </a:p>
+        </p:txBody>
+      </p:sp>
+      <p:pic>
+        <p:nvPicPr>
+          <p:cNvPr id="7" name="Content Placeholder 6" descr="EmissionsbyStateandSector">
+            <a:extLst>
+              <a:ext uri="{FF2B5EF4-FFF2-40B4-BE49-F238E27FC236}">
+                <a16:creationId xmlns:a16="http://schemas.microsoft.com/office/drawing/2014/main" id="{A7839CF4-D983-4F51-8B48-A28C939CB86E}"/>
+              </a:ext>
+            </a:extLst>
+          </p:cNvPr>
+          <p:cNvPicPr>
+            <a:picLocks noGrp="1" noChangeAspect="1"/>
+          </p:cNvPicPr>
+          <p:nvPr isPhoto="1">
+            <p:ph idx="1"/>
+          </p:nvPr>
+        </p:nvPicPr>
+        <p:blipFill rotWithShape="1">
+          <a:blip r:embed="rId2">
+            <a:lum/>
+            <a:extLst>
+              <a:ext uri="{28A0092B-C50C-407E-A947-70E740481C1C}">
+                <a14:useLocalDpi xmlns:a14="http://schemas.microsoft.com/office/drawing/2010/main" val="0"/>
+              </a:ext>
+            </a:extLst>
+          </a:blip>
+          <a:srcRect t="8528" b="5121"/>
+          <a:stretch/>
+        </p:blipFill>
+        <p:spPr>
+          <a:xfrm>
+            <a:off x="3561638" y="188517"/>
+            <a:ext cx="6976155" cy="6693282"/>
+          </a:xfrm>
+          <a:prstGeom prst="rect">
+            <a:avLst/>
+          </a:prstGeom>
+        </p:spPr>
+      </p:pic>
+    </p:spTree>
+    <p:extLst>
+      <p:ext uri="{BB962C8B-B14F-4D97-AF65-F5344CB8AC3E}">
+        <p14:creationId xmlns:p14="http://schemas.microsoft.com/office/powerpoint/2010/main" val="3465872485"/>
+      </p:ext>
+    </p:extLst>
+  </p:cSld>
+  <p:clrMapOvr>
+    <a:masterClrMapping/>
+  </p:clrMapOvr>
+</p:sld>
+</file>
+
 <file path=ppt/slides/slide16.xml><?xml version="1.0" encoding="utf-8"?>
 <p:sld xmlns:a="http://schemas.openxmlformats.org/drawingml/2006/main" xmlns:r="http://schemas.openxmlformats.org/officeDocument/2006/relationships" xmlns:p="http://schemas.openxmlformats.org/presentationml/2006/main">
   <p:cSld>
@@ -5539,7 +5539,7 @@
                 <a:latin typeface="Arial" panose="020B0604020202020204" pitchFamily="34" charset="0"/>
                 <a:cs typeface="Arial" panose="020B0604020202020204" pitchFamily="34" charset="0"/>
               </a:rPr>
-              <a:t>Industrial, Commercial. Transportation, Residential</a:t>
+              <a:t>Industrial, Commercial, Transportation, Residential</a:t>
             </a:r>
           </a:p>
           <a:p>
